--- a/Introduction to VueJs.pptx
+++ b/Introduction to VueJs.pptx
@@ -19360,7 +19360,7 @@
           <a:p>
             <a:fld id="{3EBEF51A-9A14-48BE-89D5-2FCCE2E21EDE}" type="datetimeFigureOut">
               <a:rPr lang="en-GB" smtClean="0"/>
-              <a:t>03/09/2019</a:t>
+              <a:t>04/09/2019</a:t>
             </a:fld>
             <a:endParaRPr lang="en-GB"/>
           </a:p>
@@ -21662,7 +21662,7 @@
           <a:p>
             <a:fld id="{83D665DE-6BB6-4BEA-A037-496DDFB2E547}" type="datetimeFigureOut">
               <a:rPr lang="en-GB" smtClean="0"/>
-              <a:t>03/09/2019</a:t>
+              <a:t>04/09/2019</a:t>
             </a:fld>
             <a:endParaRPr lang="en-GB"/>
           </a:p>
@@ -21862,7 +21862,7 @@
           <a:p>
             <a:fld id="{83D665DE-6BB6-4BEA-A037-496DDFB2E547}" type="datetimeFigureOut">
               <a:rPr lang="en-GB" smtClean="0"/>
-              <a:t>03/09/2019</a:t>
+              <a:t>04/09/2019</a:t>
             </a:fld>
             <a:endParaRPr lang="en-GB"/>
           </a:p>
@@ -22072,7 +22072,7 @@
           <a:p>
             <a:fld id="{83D665DE-6BB6-4BEA-A037-496DDFB2E547}" type="datetimeFigureOut">
               <a:rPr lang="en-GB" smtClean="0"/>
-              <a:t>03/09/2019</a:t>
+              <a:t>04/09/2019</a:t>
             </a:fld>
             <a:endParaRPr lang="en-GB"/>
           </a:p>
@@ -22272,7 +22272,7 @@
           <a:p>
             <a:fld id="{83D665DE-6BB6-4BEA-A037-496DDFB2E547}" type="datetimeFigureOut">
               <a:rPr lang="en-GB" smtClean="0"/>
-              <a:t>03/09/2019</a:t>
+              <a:t>04/09/2019</a:t>
             </a:fld>
             <a:endParaRPr lang="en-GB"/>
           </a:p>
@@ -22548,7 +22548,7 @@
           <a:p>
             <a:fld id="{83D665DE-6BB6-4BEA-A037-496DDFB2E547}" type="datetimeFigureOut">
               <a:rPr lang="en-GB" smtClean="0"/>
-              <a:t>03/09/2019</a:t>
+              <a:t>04/09/2019</a:t>
             </a:fld>
             <a:endParaRPr lang="en-GB"/>
           </a:p>
@@ -22816,7 +22816,7 @@
           <a:p>
             <a:fld id="{83D665DE-6BB6-4BEA-A037-496DDFB2E547}" type="datetimeFigureOut">
               <a:rPr lang="en-GB" smtClean="0"/>
-              <a:t>03/09/2019</a:t>
+              <a:t>04/09/2019</a:t>
             </a:fld>
             <a:endParaRPr lang="en-GB"/>
           </a:p>
@@ -23231,7 +23231,7 @@
           <a:p>
             <a:fld id="{83D665DE-6BB6-4BEA-A037-496DDFB2E547}" type="datetimeFigureOut">
               <a:rPr lang="en-GB" smtClean="0"/>
-              <a:t>03/09/2019</a:t>
+              <a:t>04/09/2019</a:t>
             </a:fld>
             <a:endParaRPr lang="en-GB"/>
           </a:p>
@@ -23373,7 +23373,7 @@
           <a:p>
             <a:fld id="{83D665DE-6BB6-4BEA-A037-496DDFB2E547}" type="datetimeFigureOut">
               <a:rPr lang="en-GB" smtClean="0"/>
-              <a:t>03/09/2019</a:t>
+              <a:t>04/09/2019</a:t>
             </a:fld>
             <a:endParaRPr lang="en-GB"/>
           </a:p>
@@ -23486,7 +23486,7 @@
           <a:p>
             <a:fld id="{83D665DE-6BB6-4BEA-A037-496DDFB2E547}" type="datetimeFigureOut">
               <a:rPr lang="en-GB" smtClean="0"/>
-              <a:t>03/09/2019</a:t>
+              <a:t>04/09/2019</a:t>
             </a:fld>
             <a:endParaRPr lang="en-GB"/>
           </a:p>
@@ -23799,7 +23799,7 @@
           <a:p>
             <a:fld id="{83D665DE-6BB6-4BEA-A037-496DDFB2E547}" type="datetimeFigureOut">
               <a:rPr lang="en-GB" smtClean="0"/>
-              <a:t>03/09/2019</a:t>
+              <a:t>04/09/2019</a:t>
             </a:fld>
             <a:endParaRPr lang="en-GB"/>
           </a:p>
@@ -24088,7 +24088,7 @@
           <a:p>
             <a:fld id="{83D665DE-6BB6-4BEA-A037-496DDFB2E547}" type="datetimeFigureOut">
               <a:rPr lang="en-GB" smtClean="0"/>
-              <a:t>03/09/2019</a:t>
+              <a:t>04/09/2019</a:t>
             </a:fld>
             <a:endParaRPr lang="en-GB"/>
           </a:p>
@@ -24331,7 +24331,7 @@
           <a:p>
             <a:fld id="{83D665DE-6BB6-4BEA-A037-496DDFB2E547}" type="datetimeFigureOut">
               <a:rPr lang="en-GB" smtClean="0"/>
-              <a:t>03/09/2019</a:t>
+              <a:t>04/09/2019</a:t>
             </a:fld>
             <a:endParaRPr lang="en-GB"/>
           </a:p>
@@ -27702,7 +27702,7 @@
               <a:buNone/>
             </a:pPr>
             <a:r>
-              <a:rPr lang="en-US" sz="2000" kern="1200">
+              <a:rPr lang="en-US" sz="2000" kern="1200" dirty="0">
                 <a:solidFill>
                   <a:schemeClr val="tx1"/>
                 </a:solidFill>
@@ -27712,6 +27712,31 @@
               </a:rPr>
               <a:t>Any questions?</a:t>
             </a:r>
+          </a:p>
+          <a:p>
+            <a:pPr marL="0" indent="0" algn="ctr">
+              <a:buNone/>
+            </a:pPr>
+            <a:endParaRPr lang="en-US" sz="2000" dirty="0"/>
+          </a:p>
+          <a:p>
+            <a:pPr marL="0" indent="0" algn="ctr">
+              <a:buNone/>
+            </a:pPr>
+            <a:r>
+              <a:rPr lang="en-GB" sz="2000" dirty="0">
+                <a:hlinkClick r:id="rId2"/>
+              </a:rPr>
+              <a:t>https://github.com/andrew51017/IntroVueJS</a:t>
+            </a:r>
+            <a:endParaRPr lang="en-US" sz="2000" kern="1200" dirty="0">
+              <a:solidFill>
+                <a:schemeClr val="tx1"/>
+              </a:solidFill>
+              <a:latin typeface="+mn-lt"/>
+              <a:ea typeface="+mn-ea"/>
+              <a:cs typeface="+mn-cs"/>
+            </a:endParaRPr>
           </a:p>
         </p:txBody>
       </p:sp>

--- a/Introduction to VueJs.pptx
+++ b/Introduction to VueJs.pptx
@@ -14,16 +14,16 @@
     <p:sldId id="259" r:id="rId5"/>
     <p:sldId id="260" r:id="rId6"/>
     <p:sldId id="261" r:id="rId7"/>
-    <p:sldId id="273" r:id="rId8"/>
-    <p:sldId id="262" r:id="rId9"/>
-    <p:sldId id="263" r:id="rId10"/>
-    <p:sldId id="274" r:id="rId11"/>
-    <p:sldId id="267" r:id="rId12"/>
-    <p:sldId id="280" r:id="rId13"/>
-    <p:sldId id="268" r:id="rId14"/>
-    <p:sldId id="275" r:id="rId15"/>
-    <p:sldId id="269" r:id="rId16"/>
-    <p:sldId id="276" r:id="rId17"/>
+    <p:sldId id="262" r:id="rId8"/>
+    <p:sldId id="263" r:id="rId9"/>
+    <p:sldId id="274" r:id="rId10"/>
+    <p:sldId id="267" r:id="rId11"/>
+    <p:sldId id="280" r:id="rId12"/>
+    <p:sldId id="268" r:id="rId13"/>
+    <p:sldId id="275" r:id="rId14"/>
+    <p:sldId id="269" r:id="rId15"/>
+    <p:sldId id="276" r:id="rId16"/>
+    <p:sldId id="273" r:id="rId17"/>
     <p:sldId id="270" r:id="rId18"/>
     <p:sldId id="271" r:id="rId19"/>
     <p:sldId id="272" r:id="rId20"/>
@@ -19680,7 +19680,7 @@
           <a:p>
             <a:r>
               <a:rPr lang="en-GB" dirty="0"/>
-              <a:t>First in a series of </a:t>
+              <a:t>First in a series of talks over the next few weeks</a:t>
             </a:r>
           </a:p>
         </p:txBody>
@@ -19722,99 +19722,6 @@
 </file>
 
 <file path=ppt/notesSlides/notesSlide10.xml><?xml version="1.0" encoding="utf-8"?>
-<p:notes xmlns:a="http://schemas.openxmlformats.org/drawingml/2006/main" xmlns:r="http://schemas.openxmlformats.org/officeDocument/2006/relationships" xmlns:p="http://schemas.openxmlformats.org/presentationml/2006/main">
-  <p:cSld>
-    <p:spTree>
-      <p:nvGrpSpPr>
-        <p:cNvPr id="1" name=""/>
-        <p:cNvGrpSpPr/>
-        <p:nvPr/>
-      </p:nvGrpSpPr>
-      <p:grpSpPr>
-        <a:xfrm>
-          <a:off x="0" y="0"/>
-          <a:ext cx="0" cy="0"/>
-          <a:chOff x="0" y="0"/>
-          <a:chExt cx="0" cy="0"/>
-        </a:xfrm>
-      </p:grpSpPr>
-      <p:sp>
-        <p:nvSpPr>
-          <p:cNvPr id="2" name="Slide Image Placeholder 1"/>
-          <p:cNvSpPr>
-            <a:spLocks noGrp="1" noRot="1" noChangeAspect="1"/>
-          </p:cNvSpPr>
-          <p:nvPr>
-            <p:ph type="sldImg"/>
-          </p:nvPr>
-        </p:nvSpPr>
-        <p:spPr/>
-      </p:sp>
-      <p:sp>
-        <p:nvSpPr>
-          <p:cNvPr id="3" name="Notes Placeholder 2"/>
-          <p:cNvSpPr>
-            <a:spLocks noGrp="1"/>
-          </p:cNvSpPr>
-          <p:nvPr>
-            <p:ph type="body" idx="1"/>
-          </p:nvPr>
-        </p:nvSpPr>
-        <p:spPr/>
-        <p:txBody>
-          <a:bodyPr/>
-          <a:lstStyle/>
-          <a:p>
-            <a:r>
-              <a:rPr lang="en-GB" dirty="0"/>
-              <a:t>At the core of Vue is a 2 way binding framework that allows us to render data to the DOM using templates. </a:t>
-            </a:r>
-          </a:p>
-          <a:p>
-            <a:r>
-              <a:rPr lang="en-GB" dirty="0"/>
-              <a:t>Vue is reactive – we define a template and we give it data. As we change the data, the view is automatically updated.</a:t>
-            </a:r>
-          </a:p>
-        </p:txBody>
-      </p:sp>
-      <p:sp>
-        <p:nvSpPr>
-          <p:cNvPr id="4" name="Slide Number Placeholder 3"/>
-          <p:cNvSpPr>
-            <a:spLocks noGrp="1"/>
-          </p:cNvSpPr>
-          <p:nvPr>
-            <p:ph type="sldNum" sz="quarter" idx="5"/>
-          </p:nvPr>
-        </p:nvSpPr>
-        <p:spPr/>
-        <p:txBody>
-          <a:bodyPr/>
-          <a:lstStyle/>
-          <a:p>
-            <a:fld id="{D82D19A5-A7BF-4856-B2A4-AC4F7B5387E6}" type="slidenum">
-              <a:rPr lang="en-GB" smtClean="0"/>
-              <a:t>11</a:t>
-            </a:fld>
-            <a:endParaRPr lang="en-GB"/>
-          </a:p>
-        </p:txBody>
-      </p:sp>
-    </p:spTree>
-    <p:extLst>
-      <p:ext uri="{BB962C8B-B14F-4D97-AF65-F5344CB8AC3E}">
-        <p14:creationId xmlns:p14="http://schemas.microsoft.com/office/powerpoint/2010/main" val="4057247825"/>
-      </p:ext>
-    </p:extLst>
-  </p:cSld>
-  <p:clrMapOvr>
-    <a:masterClrMapping/>
-  </p:clrMapOvr>
-</p:notes>
-</file>
-
-<file path=ppt/notesSlides/notesSlide11.xml><?xml version="1.0" encoding="utf-8"?>
 <p:notes xmlns:a="http://schemas.openxmlformats.org/drawingml/2006/main" xmlns:r="http://schemas.openxmlformats.org/officeDocument/2006/relationships" xmlns:p="http://schemas.openxmlformats.org/presentationml/2006/main">
   <p:cSld>
     <p:spTree>
@@ -19903,7 +19810,7 @@
           <a:p>
             <a:fld id="{D82D19A5-A7BF-4856-B2A4-AC4F7B5387E6}" type="slidenum">
               <a:rPr lang="en-GB" smtClean="0"/>
-              <a:t>12</a:t>
+              <a:t>11</a:t>
             </a:fld>
             <a:endParaRPr lang="en-GB"/>
           </a:p>
@@ -19922,7 +19829,7 @@
 </p:notes>
 </file>
 
-<file path=ppt/notesSlides/notesSlide12.xml><?xml version="1.0" encoding="utf-8"?>
+<file path=ppt/notesSlides/notesSlide11.xml><?xml version="1.0" encoding="utf-8"?>
 <p:notes xmlns:a="http://schemas.openxmlformats.org/drawingml/2006/main" xmlns:r="http://schemas.openxmlformats.org/officeDocument/2006/relationships" xmlns:p="http://schemas.openxmlformats.org/presentationml/2006/main">
   <p:cSld>
     <p:spTree>
@@ -19993,7 +19900,7 @@
           <a:p>
             <a:fld id="{D82D19A5-A7BF-4856-B2A4-AC4F7B5387E6}" type="slidenum">
               <a:rPr lang="en-GB" smtClean="0"/>
-              <a:t>13</a:t>
+              <a:t>12</a:t>
             </a:fld>
             <a:endParaRPr lang="en-GB"/>
           </a:p>
@@ -20012,7 +19919,7 @@
 </p:notes>
 </file>
 
-<file path=ppt/notesSlides/notesSlide13.xml><?xml version="1.0" encoding="utf-8"?>
+<file path=ppt/notesSlides/notesSlide12.xml><?xml version="1.0" encoding="utf-8"?>
 <p:notes xmlns:a="http://schemas.openxmlformats.org/drawingml/2006/main" xmlns:r="http://schemas.openxmlformats.org/officeDocument/2006/relationships" xmlns:p="http://schemas.openxmlformats.org/presentationml/2006/main">
   <p:cSld>
     <p:spTree>
@@ -20086,7 +19993,7 @@
           <a:p>
             <a:fld id="{D82D19A5-A7BF-4856-B2A4-AC4F7B5387E6}" type="slidenum">
               <a:rPr lang="en-GB" smtClean="0"/>
-              <a:t>14</a:t>
+              <a:t>13</a:t>
             </a:fld>
             <a:endParaRPr lang="en-GB"/>
           </a:p>
@@ -20105,7 +20012,7 @@
 </p:notes>
 </file>
 
-<file path=ppt/notesSlides/notesSlide14.xml><?xml version="1.0" encoding="utf-8"?>
+<file path=ppt/notesSlides/notesSlide13.xml><?xml version="1.0" encoding="utf-8"?>
 <p:notes xmlns:a="http://schemas.openxmlformats.org/drawingml/2006/main" xmlns:r="http://schemas.openxmlformats.org/officeDocument/2006/relationships" xmlns:p="http://schemas.openxmlformats.org/presentationml/2006/main">
   <p:cSld>
     <p:spTree>
@@ -20173,7 +20080,7 @@
           <a:p>
             <a:fld id="{D82D19A5-A7BF-4856-B2A4-AC4F7B5387E6}" type="slidenum">
               <a:rPr lang="en-GB" smtClean="0"/>
-              <a:t>15</a:t>
+              <a:t>14</a:t>
             </a:fld>
             <a:endParaRPr lang="en-GB"/>
           </a:p>
@@ -20192,7 +20099,7 @@
 </p:notes>
 </file>
 
-<file path=ppt/notesSlides/notesSlide15.xml><?xml version="1.0" encoding="utf-8"?>
+<file path=ppt/notesSlides/notesSlide14.xml><?xml version="1.0" encoding="utf-8"?>
 <p:notes xmlns:a="http://schemas.openxmlformats.org/drawingml/2006/main" xmlns:r="http://schemas.openxmlformats.org/officeDocument/2006/relationships" xmlns:p="http://schemas.openxmlformats.org/presentationml/2006/main">
   <p:cSld>
     <p:spTree>
@@ -20260,6 +20167,98 @@
           <a:p>
             <a:fld id="{D82D19A5-A7BF-4856-B2A4-AC4F7B5387E6}" type="slidenum">
               <a:rPr lang="en-GB" smtClean="0"/>
+              <a:t>15</a:t>
+            </a:fld>
+            <a:endParaRPr lang="en-GB"/>
+          </a:p>
+        </p:txBody>
+      </p:sp>
+    </p:spTree>
+    <p:extLst>
+      <p:ext uri="{BB962C8B-B14F-4D97-AF65-F5344CB8AC3E}">
+        <p14:creationId xmlns:p14="http://schemas.microsoft.com/office/powerpoint/2010/main" val="2222393234"/>
+      </p:ext>
+    </p:extLst>
+  </p:cSld>
+  <p:clrMapOvr>
+    <a:masterClrMapping/>
+  </p:clrMapOvr>
+</p:notes>
+</file>
+
+<file path=ppt/notesSlides/notesSlide15.xml><?xml version="1.0" encoding="utf-8"?>
+<p:notes xmlns:a="http://schemas.openxmlformats.org/drawingml/2006/main" xmlns:r="http://schemas.openxmlformats.org/officeDocument/2006/relationships" xmlns:p="http://schemas.openxmlformats.org/presentationml/2006/main">
+  <p:cSld>
+    <p:spTree>
+      <p:nvGrpSpPr>
+        <p:cNvPr id="1" name=""/>
+        <p:cNvGrpSpPr/>
+        <p:nvPr/>
+      </p:nvGrpSpPr>
+      <p:grpSpPr>
+        <a:xfrm>
+          <a:off x="0" y="0"/>
+          <a:ext cx="0" cy="0"/>
+          <a:chOff x="0" y="0"/>
+          <a:chExt cx="0" cy="0"/>
+        </a:xfrm>
+      </p:grpSpPr>
+      <p:sp>
+        <p:nvSpPr>
+          <p:cNvPr id="2" name="Slide Image Placeholder 1"/>
+          <p:cNvSpPr>
+            <a:spLocks noGrp="1" noRot="1" noChangeAspect="1"/>
+          </p:cNvSpPr>
+          <p:nvPr>
+            <p:ph type="sldImg"/>
+          </p:nvPr>
+        </p:nvSpPr>
+        <p:spPr/>
+      </p:sp>
+      <p:sp>
+        <p:nvSpPr>
+          <p:cNvPr id="3" name="Notes Placeholder 2"/>
+          <p:cNvSpPr>
+            <a:spLocks noGrp="1"/>
+          </p:cNvSpPr>
+          <p:nvPr>
+            <p:ph type="body" idx="1"/>
+          </p:nvPr>
+        </p:nvSpPr>
+        <p:spPr/>
+        <p:txBody>
+          <a:bodyPr/>
+          <a:lstStyle/>
+          <a:p>
+            <a:r>
+              <a:rPr lang="en-GB" dirty="0"/>
+              <a:t>Lets have a look at a basic project built in </a:t>
+            </a:r>
+            <a:r>
+              <a:rPr lang="en-GB" dirty="0" err="1"/>
+              <a:t>VueJS</a:t>
+            </a:r>
+            <a:endParaRPr lang="en-GB" dirty="0"/>
+          </a:p>
+        </p:txBody>
+      </p:sp>
+      <p:sp>
+        <p:nvSpPr>
+          <p:cNvPr id="4" name="Slide Number Placeholder 3"/>
+          <p:cNvSpPr>
+            <a:spLocks noGrp="1"/>
+          </p:cNvSpPr>
+          <p:nvPr>
+            <p:ph type="sldNum" sz="quarter" idx="5"/>
+          </p:nvPr>
+        </p:nvSpPr>
+        <p:spPr/>
+        <p:txBody>
+          <a:bodyPr/>
+          <a:lstStyle/>
+          <a:p>
+            <a:fld id="{D82D19A5-A7BF-4856-B2A4-AC4F7B5387E6}" type="slidenum">
+              <a:rPr lang="en-GB" smtClean="0"/>
               <a:t>16</a:t>
             </a:fld>
             <a:endParaRPr lang="en-GB"/>
@@ -20269,7 +20268,7 @@
     </p:spTree>
     <p:extLst>
       <p:ext uri="{BB962C8B-B14F-4D97-AF65-F5344CB8AC3E}">
-        <p14:creationId xmlns:p14="http://schemas.microsoft.com/office/powerpoint/2010/main" val="2222393234"/>
+        <p14:creationId xmlns:p14="http://schemas.microsoft.com/office/powerpoint/2010/main" val="564437336"/>
       </p:ext>
     </p:extLst>
   </p:cSld>
@@ -21179,6 +21178,12 @@
               <a:t>The view is displayed from data in our view model and dispatches user actions to our view model.</a:t>
             </a:r>
           </a:p>
+          <a:p>
+            <a:r>
+              <a:rPr lang="en-GB" dirty="0"/>
+              <a:t>We don’t modify the view directly. We update the data and the view automatically updates to match.</a:t>
+            </a:r>
+          </a:p>
         </p:txBody>
       </p:sp>
       <p:sp>
@@ -21263,98 +21268,6 @@
           <a:p>
             <a:r>
               <a:rPr lang="en-GB" dirty="0"/>
-              <a:t>Lets have a look at a basic project built in </a:t>
-            </a:r>
-            <a:r>
-              <a:rPr lang="en-GB" dirty="0" err="1"/>
-              <a:t>VueJS</a:t>
-            </a:r>
-            <a:endParaRPr lang="en-GB" dirty="0"/>
-          </a:p>
-        </p:txBody>
-      </p:sp>
-      <p:sp>
-        <p:nvSpPr>
-          <p:cNvPr id="4" name="Slide Number Placeholder 3"/>
-          <p:cNvSpPr>
-            <a:spLocks noGrp="1"/>
-          </p:cNvSpPr>
-          <p:nvPr>
-            <p:ph type="sldNum" sz="quarter" idx="5"/>
-          </p:nvPr>
-        </p:nvSpPr>
-        <p:spPr/>
-        <p:txBody>
-          <a:bodyPr/>
-          <a:lstStyle/>
-          <a:p>
-            <a:fld id="{D82D19A5-A7BF-4856-B2A4-AC4F7B5387E6}" type="slidenum">
-              <a:rPr lang="en-GB" smtClean="0"/>
-              <a:t>7</a:t>
-            </a:fld>
-            <a:endParaRPr lang="en-GB"/>
-          </a:p>
-        </p:txBody>
-      </p:sp>
-    </p:spTree>
-    <p:extLst>
-      <p:ext uri="{BB962C8B-B14F-4D97-AF65-F5344CB8AC3E}">
-        <p14:creationId xmlns:p14="http://schemas.microsoft.com/office/powerpoint/2010/main" val="564437336"/>
-      </p:ext>
-    </p:extLst>
-  </p:cSld>
-  <p:clrMapOvr>
-    <a:masterClrMapping/>
-  </p:clrMapOvr>
-</p:notes>
-</file>
-
-<file path=ppt/notesSlides/notesSlide8.xml><?xml version="1.0" encoding="utf-8"?>
-<p:notes xmlns:a="http://schemas.openxmlformats.org/drawingml/2006/main" xmlns:r="http://schemas.openxmlformats.org/officeDocument/2006/relationships" xmlns:p="http://schemas.openxmlformats.org/presentationml/2006/main">
-  <p:cSld>
-    <p:spTree>
-      <p:nvGrpSpPr>
-        <p:cNvPr id="1" name=""/>
-        <p:cNvGrpSpPr/>
-        <p:nvPr/>
-      </p:nvGrpSpPr>
-      <p:grpSpPr>
-        <a:xfrm>
-          <a:off x="0" y="0"/>
-          <a:ext cx="0" cy="0"/>
-          <a:chOff x="0" y="0"/>
-          <a:chExt cx="0" cy="0"/>
-        </a:xfrm>
-      </p:grpSpPr>
-      <p:sp>
-        <p:nvSpPr>
-          <p:cNvPr id="2" name="Slide Image Placeholder 1"/>
-          <p:cNvSpPr>
-            <a:spLocks noGrp="1" noRot="1" noChangeAspect="1"/>
-          </p:cNvSpPr>
-          <p:nvPr>
-            <p:ph type="sldImg"/>
-          </p:nvPr>
-        </p:nvSpPr>
-        <p:spPr/>
-      </p:sp>
-      <p:sp>
-        <p:nvSpPr>
-          <p:cNvPr id="3" name="Notes Placeholder 2"/>
-          <p:cNvSpPr>
-            <a:spLocks noGrp="1"/>
-          </p:cNvSpPr>
-          <p:nvPr>
-            <p:ph type="body" idx="1"/>
-          </p:nvPr>
-        </p:nvSpPr>
-        <p:spPr/>
-        <p:txBody>
-          <a:bodyPr/>
-          <a:lstStyle/>
-          <a:p>
-            <a:r>
-              <a:rPr lang="en-GB" dirty="0"/>
               <a:t>One of the issues in the traditional method is that everything is scattered. View and logic are mixed and we have to jump between HTML and JS.</a:t>
             </a:r>
           </a:p>
@@ -21379,7 +21292,7 @@
           <a:p>
             <a:r>
               <a:rPr lang="en-GB" dirty="0"/>
-              <a:t>Components contain logic to handle events.</a:t>
+              <a:t>Components contain logic to handle user actions.</a:t>
             </a:r>
           </a:p>
           <a:p>
@@ -21407,7 +21320,7 @@
           <a:p>
             <a:fld id="{D82D19A5-A7BF-4856-B2A4-AC4F7B5387E6}" type="slidenum">
               <a:rPr lang="en-GB" smtClean="0"/>
-              <a:t>9</a:t>
+              <a:t>8</a:t>
             </a:fld>
             <a:endParaRPr lang="en-GB"/>
           </a:p>
@@ -21426,7 +21339,7 @@
 </p:notes>
 </file>
 
-<file path=ppt/notesSlides/notesSlide9.xml><?xml version="1.0" encoding="utf-8"?>
+<file path=ppt/notesSlides/notesSlide8.xml><?xml version="1.0" encoding="utf-8"?>
 <p:notes xmlns:a="http://schemas.openxmlformats.org/drawingml/2006/main" xmlns:r="http://schemas.openxmlformats.org/officeDocument/2006/relationships" xmlns:p="http://schemas.openxmlformats.org/presentationml/2006/main">
   <p:cSld>
     <p:spTree>
@@ -21494,6 +21407,99 @@
           <a:p>
             <a:fld id="{D82D19A5-A7BF-4856-B2A4-AC4F7B5387E6}" type="slidenum">
               <a:rPr lang="en-GB" smtClean="0"/>
+              <a:t>9</a:t>
+            </a:fld>
+            <a:endParaRPr lang="en-GB"/>
+          </a:p>
+        </p:txBody>
+      </p:sp>
+    </p:spTree>
+    <p:extLst>
+      <p:ext uri="{BB962C8B-B14F-4D97-AF65-F5344CB8AC3E}">
+        <p14:creationId xmlns:p14="http://schemas.microsoft.com/office/powerpoint/2010/main" val="2366809239"/>
+      </p:ext>
+    </p:extLst>
+  </p:cSld>
+  <p:clrMapOvr>
+    <a:masterClrMapping/>
+  </p:clrMapOvr>
+</p:notes>
+</file>
+
+<file path=ppt/notesSlides/notesSlide9.xml><?xml version="1.0" encoding="utf-8"?>
+<p:notes xmlns:a="http://schemas.openxmlformats.org/drawingml/2006/main" xmlns:r="http://schemas.openxmlformats.org/officeDocument/2006/relationships" xmlns:p="http://schemas.openxmlformats.org/presentationml/2006/main">
+  <p:cSld>
+    <p:spTree>
+      <p:nvGrpSpPr>
+        <p:cNvPr id="1" name=""/>
+        <p:cNvGrpSpPr/>
+        <p:nvPr/>
+      </p:nvGrpSpPr>
+      <p:grpSpPr>
+        <a:xfrm>
+          <a:off x="0" y="0"/>
+          <a:ext cx="0" cy="0"/>
+          <a:chOff x="0" y="0"/>
+          <a:chExt cx="0" cy="0"/>
+        </a:xfrm>
+      </p:grpSpPr>
+      <p:sp>
+        <p:nvSpPr>
+          <p:cNvPr id="2" name="Slide Image Placeholder 1"/>
+          <p:cNvSpPr>
+            <a:spLocks noGrp="1" noRot="1" noChangeAspect="1"/>
+          </p:cNvSpPr>
+          <p:nvPr>
+            <p:ph type="sldImg"/>
+          </p:nvPr>
+        </p:nvSpPr>
+        <p:spPr/>
+      </p:sp>
+      <p:sp>
+        <p:nvSpPr>
+          <p:cNvPr id="3" name="Notes Placeholder 2"/>
+          <p:cNvSpPr>
+            <a:spLocks noGrp="1"/>
+          </p:cNvSpPr>
+          <p:nvPr>
+            <p:ph type="body" idx="1"/>
+          </p:nvPr>
+        </p:nvSpPr>
+        <p:spPr/>
+        <p:txBody>
+          <a:bodyPr/>
+          <a:lstStyle/>
+          <a:p>
+            <a:r>
+              <a:rPr lang="en-GB" dirty="0"/>
+              <a:t>At the core of Vue is a 2 way binding framework that allows us to render data to the DOM using templates. </a:t>
+            </a:r>
+          </a:p>
+          <a:p>
+            <a:r>
+              <a:rPr lang="en-GB" dirty="0"/>
+              <a:t>Vue is reactive – we define a template and we give it data. As we change the data, the view is automatically updated.</a:t>
+            </a:r>
+          </a:p>
+        </p:txBody>
+      </p:sp>
+      <p:sp>
+        <p:nvSpPr>
+          <p:cNvPr id="4" name="Slide Number Placeholder 3"/>
+          <p:cNvSpPr>
+            <a:spLocks noGrp="1"/>
+          </p:cNvSpPr>
+          <p:nvPr>
+            <p:ph type="sldNum" sz="quarter" idx="5"/>
+          </p:nvPr>
+        </p:nvSpPr>
+        <p:spPr/>
+        <p:txBody>
+          <a:bodyPr/>
+          <a:lstStyle/>
+          <a:p>
+            <a:fld id="{D82D19A5-A7BF-4856-B2A4-AC4F7B5387E6}" type="slidenum">
+              <a:rPr lang="en-GB" smtClean="0"/>
               <a:t>10</a:t>
             </a:fld>
             <a:endParaRPr lang="en-GB"/>
@@ -21503,7 +21509,7 @@
     </p:spTree>
     <p:extLst>
       <p:ext uri="{BB962C8B-B14F-4D97-AF65-F5344CB8AC3E}">
-        <p14:creationId xmlns:p14="http://schemas.microsoft.com/office/powerpoint/2010/main" val="2366809239"/>
+        <p14:creationId xmlns:p14="http://schemas.microsoft.com/office/powerpoint/2010/main" val="4057247825"/>
       </p:ext>
     </p:extLst>
   </p:cSld>
@@ -25088,200 +25094,6 @@
           <p:cNvPr id="10" name="Rectangle 9">
             <a:extLst>
               <a:ext uri="{FF2B5EF4-FFF2-40B4-BE49-F238E27FC236}">
-                <a16:creationId xmlns:a16="http://schemas.microsoft.com/office/drawing/2014/main" id="{32BC26D8-82FB-445E-AA49-62A77D7C1EE0}"/>
-              </a:ext>
-              <a:ext uri="{C183D7F6-B498-43B3-948B-1728B52AA6E4}">
-                <adec:decorative xmlns:adec="http://schemas.microsoft.com/office/drawing/2017/decorative" val="1"/>
-              </a:ext>
-            </a:extLst>
-          </p:cNvPr>
-          <p:cNvSpPr>
-            <a:spLocks noGrp="1" noRot="1" noChangeAspect="1" noMove="1" noResize="1" noEditPoints="1" noAdjustHandles="1" noChangeArrowheads="1" noChangeShapeType="1" noTextEdit="1"/>
-          </p:cNvSpPr>
-          <p:nvPr>
-            <p:extLst>
-              <p:ext uri="{386F3935-93C4-4BCD-93E2-E3B085C9AB24}">
-                <p16:designElem xmlns:p16="http://schemas.microsoft.com/office/powerpoint/2015/main" val="1"/>
-              </p:ext>
-            </p:extLst>
-          </p:nvPr>
-        </p:nvSpPr>
-        <p:spPr>
-          <a:xfrm>
-            <a:off x="0" y="0"/>
-            <a:ext cx="12192000" cy="6858000"/>
-          </a:xfrm>
-          <a:prstGeom prst="rect">
-            <a:avLst/>
-          </a:prstGeom>
-          <a:solidFill>
-            <a:srgbClr val="595946"/>
-          </a:solidFill>
-          <a:ln>
-            <a:noFill/>
-          </a:ln>
-        </p:spPr>
-        <p:style>
-          <a:lnRef idx="2">
-            <a:schemeClr val="accent1">
-              <a:shade val="50000"/>
-            </a:schemeClr>
-          </a:lnRef>
-          <a:fillRef idx="1">
-            <a:schemeClr val="accent1"/>
-          </a:fillRef>
-          <a:effectRef idx="0">
-            <a:schemeClr val="accent1"/>
-          </a:effectRef>
-          <a:fontRef idx="minor">
-            <a:schemeClr val="lt1"/>
-          </a:fontRef>
-        </p:style>
-        <p:txBody>
-          <a:bodyPr rtlCol="0" anchor="ctr"/>
-          <a:lstStyle/>
-          <a:p>
-            <a:pPr algn="ctr"/>
-            <a:endParaRPr lang="en-US"/>
-          </a:p>
-        </p:txBody>
-      </p:sp>
-      <p:sp>
-        <p:nvSpPr>
-          <p:cNvPr id="12" name="Rectangle 11">
-            <a:extLst>
-              <a:ext uri="{FF2B5EF4-FFF2-40B4-BE49-F238E27FC236}">
-                <a16:creationId xmlns:a16="http://schemas.microsoft.com/office/drawing/2014/main" id="{CB44330D-EA18-4254-AA95-EB49948539B8}"/>
-              </a:ext>
-              <a:ext uri="{C183D7F6-B498-43B3-948B-1728B52AA6E4}">
-                <adec:decorative xmlns:adec="http://schemas.microsoft.com/office/drawing/2017/decorative" val="1"/>
-              </a:ext>
-            </a:extLst>
-          </p:cNvPr>
-          <p:cNvSpPr>
-            <a:spLocks noGrp="1" noRot="1" noChangeAspect="1" noMove="1" noResize="1" noEditPoints="1" noAdjustHandles="1" noChangeArrowheads="1" noChangeShapeType="1" noTextEdit="1"/>
-          </p:cNvSpPr>
-          <p:nvPr>
-            <p:extLst>
-              <p:ext uri="{386F3935-93C4-4BCD-93E2-E3B085C9AB24}">
-                <p16:designElem xmlns:p16="http://schemas.microsoft.com/office/powerpoint/2015/main" val="1"/>
-              </p:ext>
-            </p:extLst>
-          </p:nvPr>
-        </p:nvSpPr>
-        <p:spPr>
-          <a:xfrm>
-            <a:off x="477012" y="480060"/>
-            <a:ext cx="11237976" cy="5897880"/>
-          </a:xfrm>
-          <a:prstGeom prst="rect">
-            <a:avLst/>
-          </a:prstGeom>
-          <a:solidFill>
-            <a:srgbClr val="FFFFFF"/>
-          </a:solidFill>
-          <a:ln>
-            <a:noFill/>
-          </a:ln>
-        </p:spPr>
-        <p:style>
-          <a:lnRef idx="2">
-            <a:schemeClr val="accent1">
-              <a:shade val="50000"/>
-            </a:schemeClr>
-          </a:lnRef>
-          <a:fillRef idx="1">
-            <a:schemeClr val="accent1"/>
-          </a:fillRef>
-          <a:effectRef idx="0">
-            <a:schemeClr val="accent1"/>
-          </a:effectRef>
-          <a:fontRef idx="minor">
-            <a:schemeClr val="lt1"/>
-          </a:fontRef>
-        </p:style>
-        <p:txBody>
-          <a:bodyPr rtlCol="0" anchor="ctr"/>
-          <a:lstStyle/>
-          <a:p>
-            <a:pPr algn="ctr"/>
-            <a:endParaRPr lang="en-US"/>
-          </a:p>
-        </p:txBody>
-      </p:sp>
-      <p:pic>
-        <p:nvPicPr>
-          <p:cNvPr id="5" name="Picture 4">
-            <a:extLst>
-              <a:ext uri="{FF2B5EF4-FFF2-40B4-BE49-F238E27FC236}">
-                <a16:creationId xmlns:a16="http://schemas.microsoft.com/office/drawing/2014/main" id="{240FA10B-B4E5-4E09-A577-2EADBBE10C4A}"/>
-              </a:ext>
-            </a:extLst>
-          </p:cNvPr>
-          <p:cNvPicPr>
-            <a:picLocks noChangeAspect="1"/>
-          </p:cNvPicPr>
-          <p:nvPr/>
-        </p:nvPicPr>
-        <p:blipFill>
-          <a:blip r:embed="rId3"/>
-          <a:stretch>
-            <a:fillRect/>
-          </a:stretch>
-        </p:blipFill>
-        <p:spPr>
-          <a:xfrm>
-            <a:off x="4647523" y="643467"/>
-            <a:ext cx="2896954" cy="5571066"/>
-          </a:xfrm>
-          <a:prstGeom prst="rect">
-            <a:avLst/>
-          </a:prstGeom>
-        </p:spPr>
-      </p:pic>
-    </p:spTree>
-    <p:extLst>
-      <p:ext uri="{BB962C8B-B14F-4D97-AF65-F5344CB8AC3E}">
-        <p14:creationId xmlns:p14="http://schemas.microsoft.com/office/powerpoint/2010/main" val="3863254931"/>
-      </p:ext>
-    </p:extLst>
-  </p:cSld>
-  <p:clrMapOvr>
-    <a:masterClrMapping/>
-  </p:clrMapOvr>
-</p:sld>
-</file>
-
-<file path=ppt/slides/slide11.xml><?xml version="1.0" encoding="utf-8"?>
-<p:sld xmlns:a="http://schemas.openxmlformats.org/drawingml/2006/main" xmlns:r="http://schemas.openxmlformats.org/officeDocument/2006/relationships" xmlns:p="http://schemas.openxmlformats.org/presentationml/2006/main">
-  <p:cSld>
-    <p:bg>
-      <p:bgPr>
-        <a:solidFill>
-          <a:schemeClr val="bg1"/>
-        </a:solidFill>
-        <a:effectLst/>
-      </p:bgPr>
-    </p:bg>
-    <p:spTree>
-      <p:nvGrpSpPr>
-        <p:cNvPr id="1" name=""/>
-        <p:cNvGrpSpPr/>
-        <p:nvPr/>
-      </p:nvGrpSpPr>
-      <p:grpSpPr>
-        <a:xfrm>
-          <a:off x="0" y="0"/>
-          <a:ext cx="0" cy="0"/>
-          <a:chOff x="0" y="0"/>
-          <a:chExt cx="0" cy="0"/>
-        </a:xfrm>
-      </p:grpSpPr>
-      <p:sp>
-        <p:nvSpPr>
-          <p:cNvPr id="10" name="Rectangle 9">
-            <a:extLst>
-              <a:ext uri="{FF2B5EF4-FFF2-40B4-BE49-F238E27FC236}">
                 <a16:creationId xmlns:a16="http://schemas.microsoft.com/office/drawing/2014/main" id="{1707FC24-6981-43D9-B525-C7832BA22463}"/>
               </a:ext>
               <a:ext uri="{C183D7F6-B498-43B3-948B-1728B52AA6E4}">
@@ -25458,7 +25270,7 @@
 </p:sld>
 </file>
 
-<file path=ppt/slides/slide12.xml><?xml version="1.0" encoding="utf-8"?>
+<file path=ppt/slides/slide11.xml><?xml version="1.0" encoding="utf-8"?>
 <p:sld xmlns:a="http://schemas.openxmlformats.org/drawingml/2006/main" xmlns:r="http://schemas.openxmlformats.org/officeDocument/2006/relationships" xmlns:p="http://schemas.openxmlformats.org/presentationml/2006/main">
   <p:cSld>
     <p:bg>
@@ -25715,7 +25527,7 @@
 </p:sld>
 </file>
 
-<file path=ppt/slides/slide13.xml><?xml version="1.0" encoding="utf-8"?>
+<file path=ppt/slides/slide12.xml><?xml version="1.0" encoding="utf-8"?>
 <p:sld xmlns:a="http://schemas.openxmlformats.org/drawingml/2006/main" xmlns:r="http://schemas.openxmlformats.org/officeDocument/2006/relationships" xmlns:p="http://schemas.openxmlformats.org/presentationml/2006/main">
   <p:cSld>
     <p:bg>
@@ -25974,7 +25786,7 @@
 </p:sld>
 </file>
 
-<file path=ppt/slides/slide14.xml><?xml version="1.0" encoding="utf-8"?>
+<file path=ppt/slides/slide13.xml><?xml version="1.0" encoding="utf-8"?>
 <p:sld xmlns:a="http://schemas.openxmlformats.org/drawingml/2006/main" xmlns:r="http://schemas.openxmlformats.org/officeDocument/2006/relationships" xmlns:p="http://schemas.openxmlformats.org/presentationml/2006/main">
   <p:cSld>
     <p:bg>
@@ -26233,7 +26045,7 @@
 </p:sld>
 </file>
 
-<file path=ppt/slides/slide15.xml><?xml version="1.0" encoding="utf-8"?>
+<file path=ppt/slides/slide14.xml><?xml version="1.0" encoding="utf-8"?>
 <p:sld xmlns:a="http://schemas.openxmlformats.org/drawingml/2006/main" xmlns:r="http://schemas.openxmlformats.org/officeDocument/2006/relationships" xmlns:p="http://schemas.openxmlformats.org/presentationml/2006/main">
   <p:cSld>
     <p:bg>
@@ -26490,7 +26302,7 @@
 </p:sld>
 </file>
 
-<file path=ppt/slides/slide16.xml><?xml version="1.0" encoding="utf-8"?>
+<file path=ppt/slides/slide15.xml><?xml version="1.0" encoding="utf-8"?>
 <p:sld xmlns:a="http://schemas.openxmlformats.org/drawingml/2006/main" xmlns:r="http://schemas.openxmlformats.org/officeDocument/2006/relationships" xmlns:p="http://schemas.openxmlformats.org/presentationml/2006/main">
   <p:cSld>
     <p:bg>
@@ -26718,6 +26530,420 @@
   </p:cSld>
   <p:clrMapOvr>
     <a:masterClrMapping/>
+  </p:clrMapOvr>
+</p:sld>
+</file>
+
+<file path=ppt/slides/slide16.xml><?xml version="1.0" encoding="utf-8"?>
+<p:sld xmlns:a="http://schemas.openxmlformats.org/drawingml/2006/main" xmlns:r="http://schemas.openxmlformats.org/officeDocument/2006/relationships" xmlns:p="http://schemas.openxmlformats.org/presentationml/2006/main">
+  <p:cSld>
+    <p:bg>
+      <p:bgPr>
+        <a:solidFill>
+          <a:schemeClr val="bg1">
+            <a:tint val="95000"/>
+            <a:satMod val="170000"/>
+          </a:schemeClr>
+        </a:solidFill>
+        <a:effectLst/>
+      </p:bgPr>
+    </p:bg>
+    <p:spTree>
+      <p:nvGrpSpPr>
+        <p:cNvPr id="1" name=""/>
+        <p:cNvGrpSpPr/>
+        <p:nvPr/>
+      </p:nvGrpSpPr>
+      <p:grpSpPr>
+        <a:xfrm>
+          <a:off x="0" y="0"/>
+          <a:ext cx="0" cy="0"/>
+          <a:chOff x="0" y="0"/>
+          <a:chExt cx="0" cy="0"/>
+        </a:xfrm>
+      </p:grpSpPr>
+      <p:sp>
+        <p:nvSpPr>
+          <p:cNvPr id="8" name="Freeform: Shape 7">
+            <a:extLst>
+              <a:ext uri="{FF2B5EF4-FFF2-40B4-BE49-F238E27FC236}">
+                <a16:creationId xmlns:a16="http://schemas.microsoft.com/office/drawing/2014/main" id="{66B332A4-D438-4773-A77F-5ED49A448D9D}"/>
+              </a:ext>
+              <a:ext uri="{C183D7F6-B498-43B3-948B-1728B52AA6E4}">
+                <adec:decorative xmlns:adec="http://schemas.microsoft.com/office/drawing/2017/decorative" val="1"/>
+              </a:ext>
+            </a:extLst>
+          </p:cNvPr>
+          <p:cNvSpPr>
+            <a:spLocks noGrp="1" noRot="1" noChangeAspect="1" noMove="1" noResize="1" noEditPoints="1" noAdjustHandles="1" noChangeArrowheads="1" noChangeShapeType="1" noTextEdit="1"/>
+          </p:cNvSpPr>
+          <p:nvPr>
+            <p:extLst>
+              <p:ext uri="{386F3935-93C4-4BCD-93E2-E3B085C9AB24}">
+                <p16:designElem xmlns:p16="http://schemas.microsoft.com/office/powerpoint/2015/main" val="1"/>
+              </p:ext>
+            </p:extLst>
+          </p:nvPr>
+        </p:nvSpPr>
+        <p:spPr>
+          <a:xfrm>
+            <a:off x="1953768" y="0"/>
+            <a:ext cx="8284464" cy="6858000"/>
+          </a:xfrm>
+          <a:custGeom>
+            <a:avLst/>
+            <a:gdLst>
+              <a:gd name="connsiteX0" fmla="*/ 1818109 w 8284464"/>
+              <a:gd name="connsiteY0" fmla="*/ 0 h 6858000"/>
+              <a:gd name="connsiteX1" fmla="*/ 6466355 w 8284464"/>
+              <a:gd name="connsiteY1" fmla="*/ 0 h 6858000"/>
+              <a:gd name="connsiteX2" fmla="*/ 6620596 w 8284464"/>
+              <a:gd name="connsiteY2" fmla="*/ 109683 h 6858000"/>
+              <a:gd name="connsiteX3" fmla="*/ 8284464 w 8284464"/>
+              <a:gd name="connsiteY3" fmla="*/ 3429000 h 6858000"/>
+              <a:gd name="connsiteX4" fmla="*/ 6620596 w 8284464"/>
+              <a:gd name="connsiteY4" fmla="*/ 6748318 h 6858000"/>
+              <a:gd name="connsiteX5" fmla="*/ 6466355 w 8284464"/>
+              <a:gd name="connsiteY5" fmla="*/ 6858000 h 6858000"/>
+              <a:gd name="connsiteX6" fmla="*/ 1818109 w 8284464"/>
+              <a:gd name="connsiteY6" fmla="*/ 6858000 h 6858000"/>
+              <a:gd name="connsiteX7" fmla="*/ 1663869 w 8284464"/>
+              <a:gd name="connsiteY7" fmla="*/ 6748318 h 6858000"/>
+              <a:gd name="connsiteX8" fmla="*/ 0 w 8284464"/>
+              <a:gd name="connsiteY8" fmla="*/ 3429000 h 6858000"/>
+              <a:gd name="connsiteX9" fmla="*/ 1663869 w 8284464"/>
+              <a:gd name="connsiteY9" fmla="*/ 109683 h 6858000"/>
+            </a:gdLst>
+            <a:ahLst/>
+            <a:cxnLst>
+              <a:cxn ang="0">
+                <a:pos x="connsiteX0" y="connsiteY0"/>
+              </a:cxn>
+              <a:cxn ang="0">
+                <a:pos x="connsiteX1" y="connsiteY1"/>
+              </a:cxn>
+              <a:cxn ang="0">
+                <a:pos x="connsiteX2" y="connsiteY2"/>
+              </a:cxn>
+              <a:cxn ang="0">
+                <a:pos x="connsiteX3" y="connsiteY3"/>
+              </a:cxn>
+              <a:cxn ang="0">
+                <a:pos x="connsiteX4" y="connsiteY4"/>
+              </a:cxn>
+              <a:cxn ang="0">
+                <a:pos x="connsiteX5" y="connsiteY5"/>
+              </a:cxn>
+              <a:cxn ang="0">
+                <a:pos x="connsiteX6" y="connsiteY6"/>
+              </a:cxn>
+              <a:cxn ang="0">
+                <a:pos x="connsiteX7" y="connsiteY7"/>
+              </a:cxn>
+              <a:cxn ang="0">
+                <a:pos x="connsiteX8" y="connsiteY8"/>
+              </a:cxn>
+              <a:cxn ang="0">
+                <a:pos x="connsiteX9" y="connsiteY9"/>
+              </a:cxn>
+            </a:cxnLst>
+            <a:rect l="l" t="t" r="r" b="b"/>
+            <a:pathLst>
+              <a:path w="8284464" h="6858000">
+                <a:moveTo>
+                  <a:pt x="1818109" y="0"/>
+                </a:moveTo>
+                <a:lnTo>
+                  <a:pt x="6466355" y="0"/>
+                </a:lnTo>
+                <a:lnTo>
+                  <a:pt x="6620596" y="109683"/>
+                </a:lnTo>
+                <a:cubicBezTo>
+                  <a:pt x="7630666" y="865069"/>
+                  <a:pt x="8284464" y="2070683"/>
+                  <a:pt x="8284464" y="3429000"/>
+                </a:cubicBezTo>
+                <a:cubicBezTo>
+                  <a:pt x="8284464" y="4787317"/>
+                  <a:pt x="7630666" y="5992931"/>
+                  <a:pt x="6620596" y="6748318"/>
+                </a:cubicBezTo>
+                <a:lnTo>
+                  <a:pt x="6466355" y="6858000"/>
+                </a:lnTo>
+                <a:lnTo>
+                  <a:pt x="1818109" y="6858000"/>
+                </a:lnTo>
+                <a:lnTo>
+                  <a:pt x="1663869" y="6748318"/>
+                </a:lnTo>
+                <a:cubicBezTo>
+                  <a:pt x="653798" y="5992931"/>
+                  <a:pt x="0" y="4787317"/>
+                  <a:pt x="0" y="3429000"/>
+                </a:cubicBezTo>
+                <a:cubicBezTo>
+                  <a:pt x="0" y="2070683"/>
+                  <a:pt x="653798" y="865069"/>
+                  <a:pt x="1663869" y="109683"/>
+                </a:cubicBezTo>
+                <a:close/>
+              </a:path>
+            </a:pathLst>
+          </a:custGeom>
+          <a:solidFill>
+            <a:srgbClr val="FFFFFF">
+              <a:alpha val="80000"/>
+            </a:srgbClr>
+          </a:solidFill>
+          <a:ln>
+            <a:noFill/>
+          </a:ln>
+        </p:spPr>
+        <p:style>
+          <a:lnRef idx="2">
+            <a:schemeClr val="accent1">
+              <a:shade val="50000"/>
+            </a:schemeClr>
+          </a:lnRef>
+          <a:fillRef idx="1">
+            <a:schemeClr val="accent1"/>
+          </a:fillRef>
+          <a:effectRef idx="0">
+            <a:schemeClr val="accent1"/>
+          </a:effectRef>
+          <a:fontRef idx="minor">
+            <a:schemeClr val="lt1"/>
+          </a:fontRef>
+        </p:style>
+        <p:txBody>
+          <a:bodyPr wrap="square" rtlCol="0" anchor="ctr">
+            <a:noAutofit/>
+          </a:bodyPr>
+          <a:lstStyle/>
+          <a:p>
+            <a:pPr algn="ctr"/>
+            <a:endParaRPr lang="en-US"/>
+          </a:p>
+        </p:txBody>
+      </p:sp>
+      <p:sp>
+        <p:nvSpPr>
+          <p:cNvPr id="10" name="Freeform: Shape 9">
+            <a:extLst>
+              <a:ext uri="{FF2B5EF4-FFF2-40B4-BE49-F238E27FC236}">
+                <a16:creationId xmlns:a16="http://schemas.microsoft.com/office/drawing/2014/main" id="{DF9AD32D-FF05-44F4-BD4D-9CEE89B71EB9}"/>
+              </a:ext>
+              <a:ext uri="{C183D7F6-B498-43B3-948B-1728B52AA6E4}">
+                <adec:decorative xmlns:adec="http://schemas.microsoft.com/office/drawing/2017/decorative" val="1"/>
+              </a:ext>
+            </a:extLst>
+          </p:cNvPr>
+          <p:cNvSpPr>
+            <a:spLocks noGrp="1" noRot="1" noChangeAspect="1" noMove="1" noResize="1" noEditPoints="1" noAdjustHandles="1" noChangeArrowheads="1" noChangeShapeType="1" noTextEdit="1"/>
+          </p:cNvSpPr>
+          <p:nvPr>
+            <p:extLst>
+              <p:ext uri="{386F3935-93C4-4BCD-93E2-E3B085C9AB24}">
+                <p16:designElem xmlns:p16="http://schemas.microsoft.com/office/powerpoint/2015/main" val="1"/>
+              </p:ext>
+            </p:extLst>
+          </p:nvPr>
+        </p:nvSpPr>
+        <p:spPr>
+          <a:xfrm>
+            <a:off x="2118360" y="0"/>
+            <a:ext cx="7955280" cy="6858000"/>
+          </a:xfrm>
+          <a:custGeom>
+            <a:avLst/>
+            <a:gdLst>
+              <a:gd name="connsiteX0" fmla="*/ 1962423 w 7955280"/>
+              <a:gd name="connsiteY0" fmla="*/ 0 h 6858000"/>
+              <a:gd name="connsiteX1" fmla="*/ 5992858 w 7955280"/>
+              <a:gd name="connsiteY1" fmla="*/ 0 h 6858000"/>
+              <a:gd name="connsiteX2" fmla="*/ 6040191 w 7955280"/>
+              <a:gd name="connsiteY2" fmla="*/ 27216 h 6858000"/>
+              <a:gd name="connsiteX3" fmla="*/ 7955280 w 7955280"/>
+              <a:gd name="connsiteY3" fmla="*/ 3429000 h 6858000"/>
+              <a:gd name="connsiteX4" fmla="*/ 6040191 w 7955280"/>
+              <a:gd name="connsiteY4" fmla="*/ 6830784 h 6858000"/>
+              <a:gd name="connsiteX5" fmla="*/ 5992858 w 7955280"/>
+              <a:gd name="connsiteY5" fmla="*/ 6858000 h 6858000"/>
+              <a:gd name="connsiteX6" fmla="*/ 1962423 w 7955280"/>
+              <a:gd name="connsiteY6" fmla="*/ 6858000 h 6858000"/>
+              <a:gd name="connsiteX7" fmla="*/ 1915089 w 7955280"/>
+              <a:gd name="connsiteY7" fmla="*/ 6830784 h 6858000"/>
+              <a:gd name="connsiteX8" fmla="*/ 0 w 7955280"/>
+              <a:gd name="connsiteY8" fmla="*/ 3429000 h 6858000"/>
+              <a:gd name="connsiteX9" fmla="*/ 1915089 w 7955280"/>
+              <a:gd name="connsiteY9" fmla="*/ 27216 h 6858000"/>
+            </a:gdLst>
+            <a:ahLst/>
+            <a:cxnLst>
+              <a:cxn ang="0">
+                <a:pos x="connsiteX0" y="connsiteY0"/>
+              </a:cxn>
+              <a:cxn ang="0">
+                <a:pos x="connsiteX1" y="connsiteY1"/>
+              </a:cxn>
+              <a:cxn ang="0">
+                <a:pos x="connsiteX2" y="connsiteY2"/>
+              </a:cxn>
+              <a:cxn ang="0">
+                <a:pos x="connsiteX3" y="connsiteY3"/>
+              </a:cxn>
+              <a:cxn ang="0">
+                <a:pos x="connsiteX4" y="connsiteY4"/>
+              </a:cxn>
+              <a:cxn ang="0">
+                <a:pos x="connsiteX5" y="connsiteY5"/>
+              </a:cxn>
+              <a:cxn ang="0">
+                <a:pos x="connsiteX6" y="connsiteY6"/>
+              </a:cxn>
+              <a:cxn ang="0">
+                <a:pos x="connsiteX7" y="connsiteY7"/>
+              </a:cxn>
+              <a:cxn ang="0">
+                <a:pos x="connsiteX8" y="connsiteY8"/>
+              </a:cxn>
+              <a:cxn ang="0">
+                <a:pos x="connsiteX9" y="connsiteY9"/>
+              </a:cxn>
+            </a:cxnLst>
+            <a:rect l="l" t="t" r="r" b="b"/>
+            <a:pathLst>
+              <a:path w="7955280" h="6858000">
+                <a:moveTo>
+                  <a:pt x="1962423" y="0"/>
+                </a:moveTo>
+                <a:lnTo>
+                  <a:pt x="5992858" y="0"/>
+                </a:lnTo>
+                <a:lnTo>
+                  <a:pt x="6040191" y="27216"/>
+                </a:lnTo>
+                <a:cubicBezTo>
+                  <a:pt x="7188332" y="724844"/>
+                  <a:pt x="7955280" y="1987357"/>
+                  <a:pt x="7955280" y="3429000"/>
+                </a:cubicBezTo>
+                <a:cubicBezTo>
+                  <a:pt x="7955280" y="4870644"/>
+                  <a:pt x="7188332" y="6133157"/>
+                  <a:pt x="6040191" y="6830784"/>
+                </a:cubicBezTo>
+                <a:lnTo>
+                  <a:pt x="5992858" y="6858000"/>
+                </a:lnTo>
+                <a:lnTo>
+                  <a:pt x="1962423" y="6858000"/>
+                </a:lnTo>
+                <a:lnTo>
+                  <a:pt x="1915089" y="6830784"/>
+                </a:lnTo>
+                <a:cubicBezTo>
+                  <a:pt x="766948" y="6133157"/>
+                  <a:pt x="0" y="4870644"/>
+                  <a:pt x="0" y="3429000"/>
+                </a:cubicBezTo>
+                <a:cubicBezTo>
+                  <a:pt x="0" y="1987357"/>
+                  <a:pt x="766948" y="724844"/>
+                  <a:pt x="1915089" y="27216"/>
+                </a:cubicBezTo>
+                <a:close/>
+              </a:path>
+            </a:pathLst>
+          </a:custGeom>
+          <a:solidFill>
+            <a:schemeClr val="tx1"/>
+          </a:solidFill>
+          <a:ln>
+            <a:noFill/>
+          </a:ln>
+        </p:spPr>
+        <p:style>
+          <a:lnRef idx="2">
+            <a:schemeClr val="accent1">
+              <a:shade val="50000"/>
+            </a:schemeClr>
+          </a:lnRef>
+          <a:fillRef idx="1">
+            <a:schemeClr val="accent1"/>
+          </a:fillRef>
+          <a:effectRef idx="0">
+            <a:schemeClr val="accent1"/>
+          </a:effectRef>
+          <a:fontRef idx="minor">
+            <a:schemeClr val="lt1"/>
+          </a:fontRef>
+        </p:style>
+        <p:txBody>
+          <a:bodyPr wrap="square" rtlCol="0" anchor="ctr">
+            <a:noAutofit/>
+          </a:bodyPr>
+          <a:lstStyle/>
+          <a:p>
+            <a:pPr algn="ctr"/>
+            <a:endParaRPr lang="en-US"/>
+          </a:p>
+        </p:txBody>
+      </p:sp>
+      <p:sp>
+        <p:nvSpPr>
+          <p:cNvPr id="2" name="Title 1">
+            <a:extLst>
+              <a:ext uri="{FF2B5EF4-FFF2-40B4-BE49-F238E27FC236}">
+                <a16:creationId xmlns:a16="http://schemas.microsoft.com/office/drawing/2014/main" id="{6789AB37-DED2-43D8-8C90-A7B87078BB6B}"/>
+              </a:ext>
+            </a:extLst>
+          </p:cNvPr>
+          <p:cNvSpPr>
+            <a:spLocks noGrp="1"/>
+          </p:cNvSpPr>
+          <p:nvPr>
+            <p:ph type="title"/>
+          </p:nvPr>
+        </p:nvSpPr>
+        <p:spPr>
+          <a:xfrm>
+            <a:off x="2555631" y="1441938"/>
+            <a:ext cx="7080738" cy="3974124"/>
+          </a:xfrm>
+        </p:spPr>
+        <p:txBody>
+          <a:bodyPr vert="horz" lIns="91440" tIns="45720" rIns="91440" bIns="45720" rtlCol="0" anchor="ctr">
+            <a:normAutofit/>
+          </a:bodyPr>
+          <a:lstStyle/>
+          <a:p>
+            <a:pPr algn="ctr"/>
+            <a:r>
+              <a:rPr lang="en-US" sz="5400">
+                <a:solidFill>
+                  <a:schemeClr val="bg1">
+                    <a:lumMod val="95000"/>
+                    <a:lumOff val="5000"/>
+                  </a:schemeClr>
+                </a:solidFill>
+              </a:rPr>
+              <a:t>A basic project</a:t>
+            </a:r>
+          </a:p>
+        </p:txBody>
+      </p:sp>
+    </p:spTree>
+    <p:extLst>
+      <p:ext uri="{BB962C8B-B14F-4D97-AF65-F5344CB8AC3E}">
+        <p14:creationId xmlns:p14="http://schemas.microsoft.com/office/powerpoint/2010/main" val="314269550"/>
+      </p:ext>
+    </p:extLst>
+  </p:cSld>
+  <p:clrMapOvr>
+    <a:overrideClrMapping bg1="dk1" tx1="lt1" bg2="dk2" tx2="lt2" accent1="accent1" accent2="accent2" accent3="accent3" accent4="accent4" accent5="accent5" accent6="accent6" hlink="hlink" folHlink="folHlink"/>
   </p:clrMapOvr>
 </p:sld>
 </file>
@@ -28732,420 +28958,6 @@
     <p:bg>
       <p:bgPr>
         <a:solidFill>
-          <a:schemeClr val="bg1">
-            <a:tint val="95000"/>
-            <a:satMod val="170000"/>
-          </a:schemeClr>
-        </a:solidFill>
-        <a:effectLst/>
-      </p:bgPr>
-    </p:bg>
-    <p:spTree>
-      <p:nvGrpSpPr>
-        <p:cNvPr id="1" name=""/>
-        <p:cNvGrpSpPr/>
-        <p:nvPr/>
-      </p:nvGrpSpPr>
-      <p:grpSpPr>
-        <a:xfrm>
-          <a:off x="0" y="0"/>
-          <a:ext cx="0" cy="0"/>
-          <a:chOff x="0" y="0"/>
-          <a:chExt cx="0" cy="0"/>
-        </a:xfrm>
-      </p:grpSpPr>
-      <p:sp>
-        <p:nvSpPr>
-          <p:cNvPr id="8" name="Freeform: Shape 7">
-            <a:extLst>
-              <a:ext uri="{FF2B5EF4-FFF2-40B4-BE49-F238E27FC236}">
-                <a16:creationId xmlns:a16="http://schemas.microsoft.com/office/drawing/2014/main" id="{66B332A4-D438-4773-A77F-5ED49A448D9D}"/>
-              </a:ext>
-              <a:ext uri="{C183D7F6-B498-43B3-948B-1728B52AA6E4}">
-                <adec:decorative xmlns:adec="http://schemas.microsoft.com/office/drawing/2017/decorative" val="1"/>
-              </a:ext>
-            </a:extLst>
-          </p:cNvPr>
-          <p:cNvSpPr>
-            <a:spLocks noGrp="1" noRot="1" noChangeAspect="1" noMove="1" noResize="1" noEditPoints="1" noAdjustHandles="1" noChangeArrowheads="1" noChangeShapeType="1" noTextEdit="1"/>
-          </p:cNvSpPr>
-          <p:nvPr>
-            <p:extLst>
-              <p:ext uri="{386F3935-93C4-4BCD-93E2-E3B085C9AB24}">
-                <p16:designElem xmlns:p16="http://schemas.microsoft.com/office/powerpoint/2015/main" val="1"/>
-              </p:ext>
-            </p:extLst>
-          </p:nvPr>
-        </p:nvSpPr>
-        <p:spPr>
-          <a:xfrm>
-            <a:off x="1953768" y="0"/>
-            <a:ext cx="8284464" cy="6858000"/>
-          </a:xfrm>
-          <a:custGeom>
-            <a:avLst/>
-            <a:gdLst>
-              <a:gd name="connsiteX0" fmla="*/ 1818109 w 8284464"/>
-              <a:gd name="connsiteY0" fmla="*/ 0 h 6858000"/>
-              <a:gd name="connsiteX1" fmla="*/ 6466355 w 8284464"/>
-              <a:gd name="connsiteY1" fmla="*/ 0 h 6858000"/>
-              <a:gd name="connsiteX2" fmla="*/ 6620596 w 8284464"/>
-              <a:gd name="connsiteY2" fmla="*/ 109683 h 6858000"/>
-              <a:gd name="connsiteX3" fmla="*/ 8284464 w 8284464"/>
-              <a:gd name="connsiteY3" fmla="*/ 3429000 h 6858000"/>
-              <a:gd name="connsiteX4" fmla="*/ 6620596 w 8284464"/>
-              <a:gd name="connsiteY4" fmla="*/ 6748318 h 6858000"/>
-              <a:gd name="connsiteX5" fmla="*/ 6466355 w 8284464"/>
-              <a:gd name="connsiteY5" fmla="*/ 6858000 h 6858000"/>
-              <a:gd name="connsiteX6" fmla="*/ 1818109 w 8284464"/>
-              <a:gd name="connsiteY6" fmla="*/ 6858000 h 6858000"/>
-              <a:gd name="connsiteX7" fmla="*/ 1663869 w 8284464"/>
-              <a:gd name="connsiteY7" fmla="*/ 6748318 h 6858000"/>
-              <a:gd name="connsiteX8" fmla="*/ 0 w 8284464"/>
-              <a:gd name="connsiteY8" fmla="*/ 3429000 h 6858000"/>
-              <a:gd name="connsiteX9" fmla="*/ 1663869 w 8284464"/>
-              <a:gd name="connsiteY9" fmla="*/ 109683 h 6858000"/>
-            </a:gdLst>
-            <a:ahLst/>
-            <a:cxnLst>
-              <a:cxn ang="0">
-                <a:pos x="connsiteX0" y="connsiteY0"/>
-              </a:cxn>
-              <a:cxn ang="0">
-                <a:pos x="connsiteX1" y="connsiteY1"/>
-              </a:cxn>
-              <a:cxn ang="0">
-                <a:pos x="connsiteX2" y="connsiteY2"/>
-              </a:cxn>
-              <a:cxn ang="0">
-                <a:pos x="connsiteX3" y="connsiteY3"/>
-              </a:cxn>
-              <a:cxn ang="0">
-                <a:pos x="connsiteX4" y="connsiteY4"/>
-              </a:cxn>
-              <a:cxn ang="0">
-                <a:pos x="connsiteX5" y="connsiteY5"/>
-              </a:cxn>
-              <a:cxn ang="0">
-                <a:pos x="connsiteX6" y="connsiteY6"/>
-              </a:cxn>
-              <a:cxn ang="0">
-                <a:pos x="connsiteX7" y="connsiteY7"/>
-              </a:cxn>
-              <a:cxn ang="0">
-                <a:pos x="connsiteX8" y="connsiteY8"/>
-              </a:cxn>
-              <a:cxn ang="0">
-                <a:pos x="connsiteX9" y="connsiteY9"/>
-              </a:cxn>
-            </a:cxnLst>
-            <a:rect l="l" t="t" r="r" b="b"/>
-            <a:pathLst>
-              <a:path w="8284464" h="6858000">
-                <a:moveTo>
-                  <a:pt x="1818109" y="0"/>
-                </a:moveTo>
-                <a:lnTo>
-                  <a:pt x="6466355" y="0"/>
-                </a:lnTo>
-                <a:lnTo>
-                  <a:pt x="6620596" y="109683"/>
-                </a:lnTo>
-                <a:cubicBezTo>
-                  <a:pt x="7630666" y="865069"/>
-                  <a:pt x="8284464" y="2070683"/>
-                  <a:pt x="8284464" y="3429000"/>
-                </a:cubicBezTo>
-                <a:cubicBezTo>
-                  <a:pt x="8284464" y="4787317"/>
-                  <a:pt x="7630666" y="5992931"/>
-                  <a:pt x="6620596" y="6748318"/>
-                </a:cubicBezTo>
-                <a:lnTo>
-                  <a:pt x="6466355" y="6858000"/>
-                </a:lnTo>
-                <a:lnTo>
-                  <a:pt x="1818109" y="6858000"/>
-                </a:lnTo>
-                <a:lnTo>
-                  <a:pt x="1663869" y="6748318"/>
-                </a:lnTo>
-                <a:cubicBezTo>
-                  <a:pt x="653798" y="5992931"/>
-                  <a:pt x="0" y="4787317"/>
-                  <a:pt x="0" y="3429000"/>
-                </a:cubicBezTo>
-                <a:cubicBezTo>
-                  <a:pt x="0" y="2070683"/>
-                  <a:pt x="653798" y="865069"/>
-                  <a:pt x="1663869" y="109683"/>
-                </a:cubicBezTo>
-                <a:close/>
-              </a:path>
-            </a:pathLst>
-          </a:custGeom>
-          <a:solidFill>
-            <a:srgbClr val="FFFFFF">
-              <a:alpha val="80000"/>
-            </a:srgbClr>
-          </a:solidFill>
-          <a:ln>
-            <a:noFill/>
-          </a:ln>
-        </p:spPr>
-        <p:style>
-          <a:lnRef idx="2">
-            <a:schemeClr val="accent1">
-              <a:shade val="50000"/>
-            </a:schemeClr>
-          </a:lnRef>
-          <a:fillRef idx="1">
-            <a:schemeClr val="accent1"/>
-          </a:fillRef>
-          <a:effectRef idx="0">
-            <a:schemeClr val="accent1"/>
-          </a:effectRef>
-          <a:fontRef idx="minor">
-            <a:schemeClr val="lt1"/>
-          </a:fontRef>
-        </p:style>
-        <p:txBody>
-          <a:bodyPr wrap="square" rtlCol="0" anchor="ctr">
-            <a:noAutofit/>
-          </a:bodyPr>
-          <a:lstStyle/>
-          <a:p>
-            <a:pPr algn="ctr"/>
-            <a:endParaRPr lang="en-US"/>
-          </a:p>
-        </p:txBody>
-      </p:sp>
-      <p:sp>
-        <p:nvSpPr>
-          <p:cNvPr id="10" name="Freeform: Shape 9">
-            <a:extLst>
-              <a:ext uri="{FF2B5EF4-FFF2-40B4-BE49-F238E27FC236}">
-                <a16:creationId xmlns:a16="http://schemas.microsoft.com/office/drawing/2014/main" id="{DF9AD32D-FF05-44F4-BD4D-9CEE89B71EB9}"/>
-              </a:ext>
-              <a:ext uri="{C183D7F6-B498-43B3-948B-1728B52AA6E4}">
-                <adec:decorative xmlns:adec="http://schemas.microsoft.com/office/drawing/2017/decorative" val="1"/>
-              </a:ext>
-            </a:extLst>
-          </p:cNvPr>
-          <p:cNvSpPr>
-            <a:spLocks noGrp="1" noRot="1" noChangeAspect="1" noMove="1" noResize="1" noEditPoints="1" noAdjustHandles="1" noChangeArrowheads="1" noChangeShapeType="1" noTextEdit="1"/>
-          </p:cNvSpPr>
-          <p:nvPr>
-            <p:extLst>
-              <p:ext uri="{386F3935-93C4-4BCD-93E2-E3B085C9AB24}">
-                <p16:designElem xmlns:p16="http://schemas.microsoft.com/office/powerpoint/2015/main" val="1"/>
-              </p:ext>
-            </p:extLst>
-          </p:nvPr>
-        </p:nvSpPr>
-        <p:spPr>
-          <a:xfrm>
-            <a:off x="2118360" y="0"/>
-            <a:ext cx="7955280" cy="6858000"/>
-          </a:xfrm>
-          <a:custGeom>
-            <a:avLst/>
-            <a:gdLst>
-              <a:gd name="connsiteX0" fmla="*/ 1962423 w 7955280"/>
-              <a:gd name="connsiteY0" fmla="*/ 0 h 6858000"/>
-              <a:gd name="connsiteX1" fmla="*/ 5992858 w 7955280"/>
-              <a:gd name="connsiteY1" fmla="*/ 0 h 6858000"/>
-              <a:gd name="connsiteX2" fmla="*/ 6040191 w 7955280"/>
-              <a:gd name="connsiteY2" fmla="*/ 27216 h 6858000"/>
-              <a:gd name="connsiteX3" fmla="*/ 7955280 w 7955280"/>
-              <a:gd name="connsiteY3" fmla="*/ 3429000 h 6858000"/>
-              <a:gd name="connsiteX4" fmla="*/ 6040191 w 7955280"/>
-              <a:gd name="connsiteY4" fmla="*/ 6830784 h 6858000"/>
-              <a:gd name="connsiteX5" fmla="*/ 5992858 w 7955280"/>
-              <a:gd name="connsiteY5" fmla="*/ 6858000 h 6858000"/>
-              <a:gd name="connsiteX6" fmla="*/ 1962423 w 7955280"/>
-              <a:gd name="connsiteY6" fmla="*/ 6858000 h 6858000"/>
-              <a:gd name="connsiteX7" fmla="*/ 1915089 w 7955280"/>
-              <a:gd name="connsiteY7" fmla="*/ 6830784 h 6858000"/>
-              <a:gd name="connsiteX8" fmla="*/ 0 w 7955280"/>
-              <a:gd name="connsiteY8" fmla="*/ 3429000 h 6858000"/>
-              <a:gd name="connsiteX9" fmla="*/ 1915089 w 7955280"/>
-              <a:gd name="connsiteY9" fmla="*/ 27216 h 6858000"/>
-            </a:gdLst>
-            <a:ahLst/>
-            <a:cxnLst>
-              <a:cxn ang="0">
-                <a:pos x="connsiteX0" y="connsiteY0"/>
-              </a:cxn>
-              <a:cxn ang="0">
-                <a:pos x="connsiteX1" y="connsiteY1"/>
-              </a:cxn>
-              <a:cxn ang="0">
-                <a:pos x="connsiteX2" y="connsiteY2"/>
-              </a:cxn>
-              <a:cxn ang="0">
-                <a:pos x="connsiteX3" y="connsiteY3"/>
-              </a:cxn>
-              <a:cxn ang="0">
-                <a:pos x="connsiteX4" y="connsiteY4"/>
-              </a:cxn>
-              <a:cxn ang="0">
-                <a:pos x="connsiteX5" y="connsiteY5"/>
-              </a:cxn>
-              <a:cxn ang="0">
-                <a:pos x="connsiteX6" y="connsiteY6"/>
-              </a:cxn>
-              <a:cxn ang="0">
-                <a:pos x="connsiteX7" y="connsiteY7"/>
-              </a:cxn>
-              <a:cxn ang="0">
-                <a:pos x="connsiteX8" y="connsiteY8"/>
-              </a:cxn>
-              <a:cxn ang="0">
-                <a:pos x="connsiteX9" y="connsiteY9"/>
-              </a:cxn>
-            </a:cxnLst>
-            <a:rect l="l" t="t" r="r" b="b"/>
-            <a:pathLst>
-              <a:path w="7955280" h="6858000">
-                <a:moveTo>
-                  <a:pt x="1962423" y="0"/>
-                </a:moveTo>
-                <a:lnTo>
-                  <a:pt x="5992858" y="0"/>
-                </a:lnTo>
-                <a:lnTo>
-                  <a:pt x="6040191" y="27216"/>
-                </a:lnTo>
-                <a:cubicBezTo>
-                  <a:pt x="7188332" y="724844"/>
-                  <a:pt x="7955280" y="1987357"/>
-                  <a:pt x="7955280" y="3429000"/>
-                </a:cubicBezTo>
-                <a:cubicBezTo>
-                  <a:pt x="7955280" y="4870644"/>
-                  <a:pt x="7188332" y="6133157"/>
-                  <a:pt x="6040191" y="6830784"/>
-                </a:cubicBezTo>
-                <a:lnTo>
-                  <a:pt x="5992858" y="6858000"/>
-                </a:lnTo>
-                <a:lnTo>
-                  <a:pt x="1962423" y="6858000"/>
-                </a:lnTo>
-                <a:lnTo>
-                  <a:pt x="1915089" y="6830784"/>
-                </a:lnTo>
-                <a:cubicBezTo>
-                  <a:pt x="766948" y="6133157"/>
-                  <a:pt x="0" y="4870644"/>
-                  <a:pt x="0" y="3429000"/>
-                </a:cubicBezTo>
-                <a:cubicBezTo>
-                  <a:pt x="0" y="1987357"/>
-                  <a:pt x="766948" y="724844"/>
-                  <a:pt x="1915089" y="27216"/>
-                </a:cubicBezTo>
-                <a:close/>
-              </a:path>
-            </a:pathLst>
-          </a:custGeom>
-          <a:solidFill>
-            <a:schemeClr val="tx1"/>
-          </a:solidFill>
-          <a:ln>
-            <a:noFill/>
-          </a:ln>
-        </p:spPr>
-        <p:style>
-          <a:lnRef idx="2">
-            <a:schemeClr val="accent1">
-              <a:shade val="50000"/>
-            </a:schemeClr>
-          </a:lnRef>
-          <a:fillRef idx="1">
-            <a:schemeClr val="accent1"/>
-          </a:fillRef>
-          <a:effectRef idx="0">
-            <a:schemeClr val="accent1"/>
-          </a:effectRef>
-          <a:fontRef idx="minor">
-            <a:schemeClr val="lt1"/>
-          </a:fontRef>
-        </p:style>
-        <p:txBody>
-          <a:bodyPr wrap="square" rtlCol="0" anchor="ctr">
-            <a:noAutofit/>
-          </a:bodyPr>
-          <a:lstStyle/>
-          <a:p>
-            <a:pPr algn="ctr"/>
-            <a:endParaRPr lang="en-US"/>
-          </a:p>
-        </p:txBody>
-      </p:sp>
-      <p:sp>
-        <p:nvSpPr>
-          <p:cNvPr id="2" name="Title 1">
-            <a:extLst>
-              <a:ext uri="{FF2B5EF4-FFF2-40B4-BE49-F238E27FC236}">
-                <a16:creationId xmlns:a16="http://schemas.microsoft.com/office/drawing/2014/main" id="{6789AB37-DED2-43D8-8C90-A7B87078BB6B}"/>
-              </a:ext>
-            </a:extLst>
-          </p:cNvPr>
-          <p:cNvSpPr>
-            <a:spLocks noGrp="1"/>
-          </p:cNvSpPr>
-          <p:nvPr>
-            <p:ph type="title"/>
-          </p:nvPr>
-        </p:nvSpPr>
-        <p:spPr>
-          <a:xfrm>
-            <a:off x="2555631" y="1441938"/>
-            <a:ext cx="7080738" cy="3974124"/>
-          </a:xfrm>
-        </p:spPr>
-        <p:txBody>
-          <a:bodyPr vert="horz" lIns="91440" tIns="45720" rIns="91440" bIns="45720" rtlCol="0" anchor="ctr">
-            <a:normAutofit/>
-          </a:bodyPr>
-          <a:lstStyle/>
-          <a:p>
-            <a:pPr algn="ctr"/>
-            <a:r>
-              <a:rPr lang="en-US" sz="5400">
-                <a:solidFill>
-                  <a:schemeClr val="bg1">
-                    <a:lumMod val="95000"/>
-                    <a:lumOff val="5000"/>
-                  </a:schemeClr>
-                </a:solidFill>
-              </a:rPr>
-              <a:t>A basic project</a:t>
-            </a:r>
-          </a:p>
-        </p:txBody>
-      </p:sp>
-    </p:spTree>
-    <p:extLst>
-      <p:ext uri="{BB962C8B-B14F-4D97-AF65-F5344CB8AC3E}">
-        <p14:creationId xmlns:p14="http://schemas.microsoft.com/office/powerpoint/2010/main" val="314269550"/>
-      </p:ext>
-    </p:extLst>
-  </p:cSld>
-  <p:clrMapOvr>
-    <a:overrideClrMapping bg1="dk1" tx1="lt1" bg2="dk2" tx2="lt2" accent1="accent1" accent2="accent2" accent3="accent3" accent4="accent4" accent5="accent5" accent6="accent6" hlink="hlink" folHlink="folHlink"/>
-  </p:clrMapOvr>
-</p:sld>
-</file>
-
-<file path=ppt/slides/slide8.xml><?xml version="1.0" encoding="utf-8"?>
-<p:sld xmlns:a="http://schemas.openxmlformats.org/drawingml/2006/main" xmlns:r="http://schemas.openxmlformats.org/officeDocument/2006/relationships" xmlns:p="http://schemas.openxmlformats.org/presentationml/2006/main">
-  <p:cSld>
-    <p:bg>
-      <p:bgPr>
-        <a:solidFill>
           <a:schemeClr val="bg1"/>
         </a:solidFill>
         <a:effectLst/>
@@ -29244,7 +29056,7 @@
 </p:sld>
 </file>
 
-<file path=ppt/slides/slide9.xml><?xml version="1.0" encoding="utf-8"?>
+<file path=ppt/slides/slide8.xml><?xml version="1.0" encoding="utf-8"?>
 <p:sld xmlns:a="http://schemas.openxmlformats.org/drawingml/2006/main" xmlns:r="http://schemas.openxmlformats.org/officeDocument/2006/relationships" xmlns:p="http://schemas.openxmlformats.org/presentationml/2006/main">
   <p:cSld>
     <p:bg>
@@ -29467,6 +29279,200 @@
     <p:extLst>
       <p:ext uri="{BB962C8B-B14F-4D97-AF65-F5344CB8AC3E}">
         <p14:creationId xmlns:p14="http://schemas.microsoft.com/office/powerpoint/2010/main" val="2426505647"/>
+      </p:ext>
+    </p:extLst>
+  </p:cSld>
+  <p:clrMapOvr>
+    <a:masterClrMapping/>
+  </p:clrMapOvr>
+</p:sld>
+</file>
+
+<file path=ppt/slides/slide9.xml><?xml version="1.0" encoding="utf-8"?>
+<p:sld xmlns:a="http://schemas.openxmlformats.org/drawingml/2006/main" xmlns:r="http://schemas.openxmlformats.org/officeDocument/2006/relationships" xmlns:p="http://schemas.openxmlformats.org/presentationml/2006/main">
+  <p:cSld>
+    <p:bg>
+      <p:bgPr>
+        <a:solidFill>
+          <a:schemeClr val="bg1"/>
+        </a:solidFill>
+        <a:effectLst/>
+      </p:bgPr>
+    </p:bg>
+    <p:spTree>
+      <p:nvGrpSpPr>
+        <p:cNvPr id="1" name=""/>
+        <p:cNvGrpSpPr/>
+        <p:nvPr/>
+      </p:nvGrpSpPr>
+      <p:grpSpPr>
+        <a:xfrm>
+          <a:off x="0" y="0"/>
+          <a:ext cx="0" cy="0"/>
+          <a:chOff x="0" y="0"/>
+          <a:chExt cx="0" cy="0"/>
+        </a:xfrm>
+      </p:grpSpPr>
+      <p:sp>
+        <p:nvSpPr>
+          <p:cNvPr id="17" name="Rectangle 16">
+            <a:extLst>
+              <a:ext uri="{FF2B5EF4-FFF2-40B4-BE49-F238E27FC236}">
+                <a16:creationId xmlns:a16="http://schemas.microsoft.com/office/drawing/2014/main" id="{32BC26D8-82FB-445E-AA49-62A77D7C1EE0}"/>
+              </a:ext>
+              <a:ext uri="{C183D7F6-B498-43B3-948B-1728B52AA6E4}">
+                <adec:decorative xmlns:adec="http://schemas.microsoft.com/office/drawing/2017/decorative" val="1"/>
+              </a:ext>
+            </a:extLst>
+          </p:cNvPr>
+          <p:cNvSpPr>
+            <a:spLocks noGrp="1" noRot="1" noChangeAspect="1" noMove="1" noResize="1" noEditPoints="1" noAdjustHandles="1" noChangeArrowheads="1" noChangeShapeType="1" noTextEdit="1"/>
+          </p:cNvSpPr>
+          <p:nvPr>
+            <p:extLst>
+              <p:ext uri="{386F3935-93C4-4BCD-93E2-E3B085C9AB24}">
+                <p16:designElem xmlns:p16="http://schemas.microsoft.com/office/powerpoint/2015/main" val="1"/>
+              </p:ext>
+            </p:extLst>
+          </p:nvPr>
+        </p:nvSpPr>
+        <p:spPr>
+          <a:xfrm>
+            <a:off x="0" y="0"/>
+            <a:ext cx="12192000" cy="6858000"/>
+          </a:xfrm>
+          <a:prstGeom prst="rect">
+            <a:avLst/>
+          </a:prstGeom>
+          <a:solidFill>
+            <a:srgbClr val="2E3052"/>
+          </a:solidFill>
+          <a:ln>
+            <a:noFill/>
+          </a:ln>
+        </p:spPr>
+        <p:style>
+          <a:lnRef idx="2">
+            <a:schemeClr val="accent1">
+              <a:shade val="50000"/>
+            </a:schemeClr>
+          </a:lnRef>
+          <a:fillRef idx="1">
+            <a:schemeClr val="accent1"/>
+          </a:fillRef>
+          <a:effectRef idx="0">
+            <a:schemeClr val="accent1"/>
+          </a:effectRef>
+          <a:fontRef idx="minor">
+            <a:schemeClr val="lt1"/>
+          </a:fontRef>
+        </p:style>
+        <p:txBody>
+          <a:bodyPr rtlCol="0" anchor="ctr"/>
+          <a:lstStyle/>
+          <a:p>
+            <a:pPr algn="ctr"/>
+            <a:endParaRPr lang="en-US"/>
+          </a:p>
+        </p:txBody>
+      </p:sp>
+      <p:sp>
+        <p:nvSpPr>
+          <p:cNvPr id="19" name="Rectangle 18">
+            <a:extLst>
+              <a:ext uri="{FF2B5EF4-FFF2-40B4-BE49-F238E27FC236}">
+                <a16:creationId xmlns:a16="http://schemas.microsoft.com/office/drawing/2014/main" id="{CB44330D-EA18-4254-AA95-EB49948539B8}"/>
+              </a:ext>
+              <a:ext uri="{C183D7F6-B498-43B3-948B-1728B52AA6E4}">
+                <adec:decorative xmlns:adec="http://schemas.microsoft.com/office/drawing/2017/decorative" val="1"/>
+              </a:ext>
+            </a:extLst>
+          </p:cNvPr>
+          <p:cNvSpPr>
+            <a:spLocks noGrp="1" noRot="1" noChangeAspect="1" noMove="1" noResize="1" noEditPoints="1" noAdjustHandles="1" noChangeArrowheads="1" noChangeShapeType="1" noTextEdit="1"/>
+          </p:cNvSpPr>
+          <p:nvPr>
+            <p:extLst>
+              <p:ext uri="{386F3935-93C4-4BCD-93E2-E3B085C9AB24}">
+                <p16:designElem xmlns:p16="http://schemas.microsoft.com/office/powerpoint/2015/main" val="1"/>
+              </p:ext>
+            </p:extLst>
+          </p:nvPr>
+        </p:nvSpPr>
+        <p:spPr>
+          <a:xfrm>
+            <a:off x="477012" y="480060"/>
+            <a:ext cx="11237976" cy="5897880"/>
+          </a:xfrm>
+          <a:prstGeom prst="rect">
+            <a:avLst/>
+          </a:prstGeom>
+          <a:solidFill>
+            <a:srgbClr val="FFFFFF"/>
+          </a:solidFill>
+          <a:ln>
+            <a:noFill/>
+          </a:ln>
+        </p:spPr>
+        <p:style>
+          <a:lnRef idx="2">
+            <a:schemeClr val="accent1">
+              <a:shade val="50000"/>
+            </a:schemeClr>
+          </a:lnRef>
+          <a:fillRef idx="1">
+            <a:schemeClr val="accent1"/>
+          </a:fillRef>
+          <a:effectRef idx="0">
+            <a:schemeClr val="accent1"/>
+          </a:effectRef>
+          <a:fontRef idx="minor">
+            <a:schemeClr val="lt1"/>
+          </a:fontRef>
+        </p:style>
+        <p:txBody>
+          <a:bodyPr rtlCol="0" anchor="ctr"/>
+          <a:lstStyle/>
+          <a:p>
+            <a:pPr algn="ctr"/>
+            <a:endParaRPr lang="en-US"/>
+          </a:p>
+        </p:txBody>
+      </p:sp>
+      <p:pic>
+        <p:nvPicPr>
+          <p:cNvPr id="2" name="Picture 1">
+            <a:extLst>
+              <a:ext uri="{FF2B5EF4-FFF2-40B4-BE49-F238E27FC236}">
+                <a16:creationId xmlns:a16="http://schemas.microsoft.com/office/drawing/2014/main" id="{B13B4D75-7BF4-4BA0-AA74-D1972416334B}"/>
+              </a:ext>
+            </a:extLst>
+          </p:cNvPr>
+          <p:cNvPicPr>
+            <a:picLocks noChangeAspect="1"/>
+          </p:cNvPicPr>
+          <p:nvPr/>
+        </p:nvPicPr>
+        <p:blipFill>
+          <a:blip r:embed="rId3"/>
+          <a:stretch>
+            <a:fillRect/>
+          </a:stretch>
+        </p:blipFill>
+        <p:spPr>
+          <a:xfrm>
+            <a:off x="4577884" y="643467"/>
+            <a:ext cx="3036232" cy="5571066"/>
+          </a:xfrm>
+          <a:prstGeom prst="rect">
+            <a:avLst/>
+          </a:prstGeom>
+        </p:spPr>
+      </p:pic>
+    </p:spTree>
+    <p:extLst>
+      <p:ext uri="{BB962C8B-B14F-4D97-AF65-F5344CB8AC3E}">
+        <p14:creationId xmlns:p14="http://schemas.microsoft.com/office/powerpoint/2010/main" val="3863254931"/>
       </p:ext>
     </p:extLst>
   </p:cSld>
